--- a/A Recurrent Graph-Convolutional Network for Wind Speed Prediction.pptx
+++ b/A Recurrent Graph-Convolutional Network for Wind Speed Prediction.pptx
@@ -5,7 +5,7 @@
     <p:sldMasterId id="2147483648" r:id="rId4"/>
   </p:sldMasterIdLst>
   <p:notesMasterIdLst>
-    <p:notesMasterId r:id="rId30"/>
+    <p:notesMasterId r:id="rId31"/>
   </p:notesMasterIdLst>
   <p:sldIdLst>
     <p:sldId id="262" r:id="rId5"/>
@@ -24,15 +24,16 @@
     <p:sldId id="277" r:id="rId18"/>
     <p:sldId id="272" r:id="rId19"/>
     <p:sldId id="275" r:id="rId20"/>
-    <p:sldId id="278" r:id="rId21"/>
-    <p:sldId id="279" r:id="rId22"/>
-    <p:sldId id="280" r:id="rId23"/>
-    <p:sldId id="273" r:id="rId24"/>
-    <p:sldId id="281" r:id="rId25"/>
-    <p:sldId id="282" r:id="rId26"/>
-    <p:sldId id="283" r:id="rId27"/>
-    <p:sldId id="274" r:id="rId28"/>
-    <p:sldId id="286" r:id="rId29"/>
+    <p:sldId id="287" r:id="rId21"/>
+    <p:sldId id="278" r:id="rId22"/>
+    <p:sldId id="279" r:id="rId23"/>
+    <p:sldId id="280" r:id="rId24"/>
+    <p:sldId id="273" r:id="rId25"/>
+    <p:sldId id="281" r:id="rId26"/>
+    <p:sldId id="282" r:id="rId27"/>
+    <p:sldId id="283" r:id="rId28"/>
+    <p:sldId id="274" r:id="rId29"/>
+    <p:sldId id="286" r:id="rId30"/>
   </p:sldIdLst>
   <p:sldSz cx="12192000" cy="6858000"/>
   <p:notesSz cx="6858000" cy="9144000"/>
@@ -3254,31 +3255,6 @@
       </p:sp>
       <p:sp>
         <p:nvSpPr>
-          <p:cNvPr id="3" name="Content Placeholder 2">
-            <a:extLst>
-              <a:ext uri="{FF2B5EF4-FFF2-40B4-BE49-F238E27FC236}">
-                <a16:creationId xmlns:a16="http://schemas.microsoft.com/office/drawing/2014/main" id="{E1735D7C-6796-A142-AA52-64D0BC4724F8}"/>
-              </a:ext>
-            </a:extLst>
-          </p:cNvPr>
-          <p:cNvSpPr>
-            <a:spLocks noGrp="1"/>
-          </p:cNvSpPr>
-          <p:nvPr>
-            <p:ph idx="1"/>
-          </p:nvPr>
-        </p:nvSpPr>
-        <p:spPr/>
-        <p:txBody>
-          <a:bodyPr/>
-          <a:lstStyle/>
-          <a:p>
-            <a:endParaRPr lang="en-US" dirty="0"/>
-          </a:p>
-        </p:txBody>
-      </p:sp>
-      <p:sp>
-        <p:nvSpPr>
           <p:cNvPr id="4" name="Slide Number Placeholder 3">
             <a:extLst>
               <a:ext uri="{FF2B5EF4-FFF2-40B4-BE49-F238E27FC236}">
@@ -3307,6 +3283,36 @@
           </a:p>
         </p:txBody>
       </p:sp>
+      <p:pic>
+        <p:nvPicPr>
+          <p:cNvPr id="6" name="Picture 5">
+            <a:extLst>
+              <a:ext uri="{FF2B5EF4-FFF2-40B4-BE49-F238E27FC236}">
+                <a16:creationId xmlns:a16="http://schemas.microsoft.com/office/drawing/2014/main" id="{6E07FB21-C554-53BD-1EE9-C55DFC4FB501}"/>
+              </a:ext>
+            </a:extLst>
+          </p:cNvPr>
+          <p:cNvPicPr>
+            <a:picLocks noChangeAspect="1"/>
+          </p:cNvPicPr>
+          <p:nvPr/>
+        </p:nvPicPr>
+        <p:blipFill>
+          <a:blip r:embed="rId2"/>
+          <a:stretch>
+            <a:fillRect/>
+          </a:stretch>
+        </p:blipFill>
+        <p:spPr>
+          <a:xfrm>
+            <a:off x="1819522" y="1500326"/>
+            <a:ext cx="8552955" cy="4797882"/>
+          </a:xfrm>
+          <a:prstGeom prst="rect">
+            <a:avLst/>
+          </a:prstGeom>
+        </p:spPr>
+      </p:pic>
     </p:spTree>
     <p:extLst>
       <p:ext uri="{BB962C8B-B14F-4D97-AF65-F5344CB8AC3E}">
@@ -3355,40 +3361,13 @@
         </p:nvSpPr>
         <p:spPr/>
         <p:txBody>
-          <a:bodyPr>
-            <a:normAutofit/>
-          </a:bodyPr>
+          <a:bodyPr/>
           <a:lstStyle/>
           <a:p>
             <a:r>
               <a:rPr lang="en-US" dirty="0"/>
-              <a:t>III. Preprocessing Steps</a:t>
-            </a:r>
-          </a:p>
-        </p:txBody>
-      </p:sp>
-      <p:sp>
-        <p:nvSpPr>
-          <p:cNvPr id="3" name="Content Placeholder 2">
-            <a:extLst>
-              <a:ext uri="{FF2B5EF4-FFF2-40B4-BE49-F238E27FC236}">
-                <a16:creationId xmlns:a16="http://schemas.microsoft.com/office/drawing/2014/main" id="{E1735D7C-6796-A142-AA52-64D0BC4724F8}"/>
-              </a:ext>
-            </a:extLst>
-          </p:cNvPr>
-          <p:cNvSpPr>
-            <a:spLocks noGrp="1"/>
-          </p:cNvSpPr>
-          <p:nvPr>
-            <p:ph idx="1"/>
-          </p:nvPr>
-        </p:nvSpPr>
-        <p:spPr/>
-        <p:txBody>
-          <a:bodyPr/>
-          <a:lstStyle/>
-          <a:p>
-            <a:endParaRPr lang="en-US" dirty="0"/>
+              <a:t>III. Description of Data</a:t>
+            </a:r>
           </a:p>
         </p:txBody>
       </p:sp>
@@ -3425,7 +3404,7 @@
     </p:spTree>
     <p:extLst>
       <p:ext uri="{BB962C8B-B14F-4D97-AF65-F5344CB8AC3E}">
-        <p14:creationId xmlns:p14="http://schemas.microsoft.com/office/powerpoint/2010/main" val="1132359093"/>
+        <p14:creationId xmlns:p14="http://schemas.microsoft.com/office/powerpoint/2010/main" val="412090839"/>
       </p:ext>
     </p:extLst>
   </p:cSld>
@@ -3477,7 +3456,7 @@
           <a:p>
             <a:r>
               <a:rPr lang="en-US" dirty="0"/>
-              <a:t>III. Proposed GCN-GRU Model</a:t>
+              <a:t>III. Preprocessing Steps</a:t>
             </a:r>
           </a:p>
         </p:txBody>
@@ -3540,7 +3519,7 @@
     </p:spTree>
     <p:extLst>
       <p:ext uri="{BB962C8B-B14F-4D97-AF65-F5344CB8AC3E}">
-        <p14:creationId xmlns:p14="http://schemas.microsoft.com/office/powerpoint/2010/main" val="3968393500"/>
+        <p14:creationId xmlns:p14="http://schemas.microsoft.com/office/powerpoint/2010/main" val="1132359093"/>
       </p:ext>
     </p:extLst>
   </p:cSld>
@@ -3585,12 +3564,14 @@
         </p:nvSpPr>
         <p:spPr/>
         <p:txBody>
-          <a:bodyPr/>
+          <a:bodyPr>
+            <a:normAutofit/>
+          </a:bodyPr>
           <a:lstStyle/>
           <a:p>
             <a:r>
               <a:rPr lang="en-US" dirty="0"/>
-              <a:t>III. Model Training and Validation</a:t>
+              <a:t>III. Proposed GCN-GRU Model</a:t>
             </a:r>
           </a:p>
         </p:txBody>
@@ -3653,7 +3634,7 @@
     </p:spTree>
     <p:extLst>
       <p:ext uri="{BB962C8B-B14F-4D97-AF65-F5344CB8AC3E}">
-        <p14:creationId xmlns:p14="http://schemas.microsoft.com/office/powerpoint/2010/main" val="1692419557"/>
+        <p14:creationId xmlns:p14="http://schemas.microsoft.com/office/powerpoint/2010/main" val="3968393500"/>
       </p:ext>
     </p:extLst>
   </p:cSld>
@@ -3797,7 +3778,7 @@
             </a:pPr>
             <a:r>
               <a:rPr lang="en-US" sz="1800" dirty="0"/>
-              <a:t>Methodology (~3 min, B)</a:t>
+              <a:t>Methodology (~4 min, B)</a:t>
             </a:r>
           </a:p>
           <a:p>
@@ -3895,15 +3876,15 @@
           <p:cNvPr id="2" name="Title 1">
             <a:extLst>
               <a:ext uri="{FF2B5EF4-FFF2-40B4-BE49-F238E27FC236}">
-                <a16:creationId xmlns:a16="http://schemas.microsoft.com/office/drawing/2014/main" id="{1B1EA485-1CE4-D943-BF73-46F1F53E1FE8}"/>
-              </a:ext>
-            </a:extLst>
-          </p:cNvPr>
-          <p:cNvSpPr>
-            <a:spLocks noGrp="1"/>
-          </p:cNvSpPr>
-          <p:nvPr>
-            <p:ph type="ctrTitle"/>
+                <a16:creationId xmlns:a16="http://schemas.microsoft.com/office/drawing/2014/main" id="{BB0B49FC-91C4-7E4C-B0DF-F13D8EA4BEBD}"/>
+              </a:ext>
+            </a:extLst>
+          </p:cNvPr>
+          <p:cNvSpPr>
+            <a:spLocks noGrp="1"/>
+          </p:cNvSpPr>
+          <p:nvPr>
+            <p:ph type="title"/>
           </p:nvPr>
         </p:nvSpPr>
         <p:spPr/>
@@ -3913,15 +3894,70 @@
           <a:p>
             <a:r>
               <a:rPr lang="en-US" dirty="0"/>
-              <a:t>V. Results</a:t>
-            </a:r>
+              <a:t>III. Model Training and Validation</a:t>
+            </a:r>
+          </a:p>
+        </p:txBody>
+      </p:sp>
+      <p:sp>
+        <p:nvSpPr>
+          <p:cNvPr id="3" name="Content Placeholder 2">
+            <a:extLst>
+              <a:ext uri="{FF2B5EF4-FFF2-40B4-BE49-F238E27FC236}">
+                <a16:creationId xmlns:a16="http://schemas.microsoft.com/office/drawing/2014/main" id="{E1735D7C-6796-A142-AA52-64D0BC4724F8}"/>
+              </a:ext>
+            </a:extLst>
+          </p:cNvPr>
+          <p:cNvSpPr>
+            <a:spLocks noGrp="1"/>
+          </p:cNvSpPr>
+          <p:nvPr>
+            <p:ph idx="1"/>
+          </p:nvPr>
+        </p:nvSpPr>
+        <p:spPr/>
+        <p:txBody>
+          <a:bodyPr/>
+          <a:lstStyle/>
+          <a:p>
+            <a:endParaRPr lang="en-US" dirty="0"/>
+          </a:p>
+        </p:txBody>
+      </p:sp>
+      <p:sp>
+        <p:nvSpPr>
+          <p:cNvPr id="4" name="Slide Number Placeholder 3">
+            <a:extLst>
+              <a:ext uri="{FF2B5EF4-FFF2-40B4-BE49-F238E27FC236}">
+                <a16:creationId xmlns:a16="http://schemas.microsoft.com/office/drawing/2014/main" id="{FD5BA6A9-CEA9-1F48-8C2B-13EE0DAE8F71}"/>
+              </a:ext>
+            </a:extLst>
+          </p:cNvPr>
+          <p:cNvSpPr>
+            <a:spLocks noGrp="1"/>
+          </p:cNvSpPr>
+          <p:nvPr>
+            <p:ph type="sldNum" sz="quarter" idx="12"/>
+          </p:nvPr>
+        </p:nvSpPr>
+        <p:spPr/>
+        <p:txBody>
+          <a:bodyPr/>
+          <a:lstStyle/>
+          <a:p>
+            <a:fld id="{5C35FCF4-C3EF-BD43-82E0-05BC237DAD2A}" type="slidenum">
+              <a:rPr lang="en-US" smtClean="0"/>
+              <a:pPr/>
+              <a:t>20</a:t>
+            </a:fld>
+            <a:endParaRPr lang="en-US" dirty="0"/>
           </a:p>
         </p:txBody>
       </p:sp>
     </p:spTree>
     <p:extLst>
       <p:ext uri="{BB962C8B-B14F-4D97-AF65-F5344CB8AC3E}">
-        <p14:creationId xmlns:p14="http://schemas.microsoft.com/office/powerpoint/2010/main" val="2768865545"/>
+        <p14:creationId xmlns:p14="http://schemas.microsoft.com/office/powerpoint/2010/main" val="1692419557"/>
       </p:ext>
     </p:extLst>
   </p:cSld>
@@ -3953,90 +3989,33 @@
           <p:cNvPr id="2" name="Title 1">
             <a:extLst>
               <a:ext uri="{FF2B5EF4-FFF2-40B4-BE49-F238E27FC236}">
-                <a16:creationId xmlns:a16="http://schemas.microsoft.com/office/drawing/2014/main" id="{BB0B49FC-91C4-7E4C-B0DF-F13D8EA4BEBD}"/>
-              </a:ext>
-            </a:extLst>
-          </p:cNvPr>
-          <p:cNvSpPr>
-            <a:spLocks noGrp="1"/>
-          </p:cNvSpPr>
-          <p:nvPr>
-            <p:ph type="title"/>
-          </p:nvPr>
-        </p:nvSpPr>
-        <p:spPr/>
-        <p:txBody>
-          <a:bodyPr>
-            <a:normAutofit/>
-          </a:bodyPr>
+                <a16:creationId xmlns:a16="http://schemas.microsoft.com/office/drawing/2014/main" id="{1B1EA485-1CE4-D943-BF73-46F1F53E1FE8}"/>
+              </a:ext>
+            </a:extLst>
+          </p:cNvPr>
+          <p:cNvSpPr>
+            <a:spLocks noGrp="1"/>
+          </p:cNvSpPr>
+          <p:nvPr>
+            <p:ph type="ctrTitle"/>
+          </p:nvPr>
+        </p:nvSpPr>
+        <p:spPr/>
+        <p:txBody>
+          <a:bodyPr/>
           <a:lstStyle/>
           <a:p>
             <a:r>
               <a:rPr lang="en-US" dirty="0"/>
-              <a:t>V. Performance Evaluation of GCN-GRU Model</a:t>
-            </a:r>
-          </a:p>
-        </p:txBody>
-      </p:sp>
-      <p:sp>
-        <p:nvSpPr>
-          <p:cNvPr id="3" name="Content Placeholder 2">
-            <a:extLst>
-              <a:ext uri="{FF2B5EF4-FFF2-40B4-BE49-F238E27FC236}">
-                <a16:creationId xmlns:a16="http://schemas.microsoft.com/office/drawing/2014/main" id="{E1735D7C-6796-A142-AA52-64D0BC4724F8}"/>
-              </a:ext>
-            </a:extLst>
-          </p:cNvPr>
-          <p:cNvSpPr>
-            <a:spLocks noGrp="1"/>
-          </p:cNvSpPr>
-          <p:nvPr>
-            <p:ph idx="1"/>
-          </p:nvPr>
-        </p:nvSpPr>
-        <p:spPr/>
-        <p:txBody>
-          <a:bodyPr/>
-          <a:lstStyle/>
-          <a:p>
-            <a:endParaRPr lang="en-US" dirty="0"/>
-          </a:p>
-        </p:txBody>
-      </p:sp>
-      <p:sp>
-        <p:nvSpPr>
-          <p:cNvPr id="4" name="Slide Number Placeholder 3">
-            <a:extLst>
-              <a:ext uri="{FF2B5EF4-FFF2-40B4-BE49-F238E27FC236}">
-                <a16:creationId xmlns:a16="http://schemas.microsoft.com/office/drawing/2014/main" id="{FD5BA6A9-CEA9-1F48-8C2B-13EE0DAE8F71}"/>
-              </a:ext>
-            </a:extLst>
-          </p:cNvPr>
-          <p:cNvSpPr>
-            <a:spLocks noGrp="1"/>
-          </p:cNvSpPr>
-          <p:nvPr>
-            <p:ph type="sldNum" sz="quarter" idx="12"/>
-          </p:nvPr>
-        </p:nvSpPr>
-        <p:spPr/>
-        <p:txBody>
-          <a:bodyPr/>
-          <a:lstStyle/>
-          <a:p>
-            <a:fld id="{5C35FCF4-C3EF-BD43-82E0-05BC237DAD2A}" type="slidenum">
-              <a:rPr lang="en-US" smtClean="0"/>
-              <a:pPr/>
-              <a:t>21</a:t>
-            </a:fld>
-            <a:endParaRPr lang="en-US" dirty="0"/>
+              <a:t>V. Results</a:t>
+            </a:r>
           </a:p>
         </p:txBody>
       </p:sp>
     </p:spTree>
     <p:extLst>
       <p:ext uri="{BB962C8B-B14F-4D97-AF65-F5344CB8AC3E}">
-        <p14:creationId xmlns:p14="http://schemas.microsoft.com/office/powerpoint/2010/main" val="3668115018"/>
+        <p14:creationId xmlns:p14="http://schemas.microsoft.com/office/powerpoint/2010/main" val="2768865545"/>
       </p:ext>
     </p:extLst>
   </p:cSld>
@@ -4088,7 +4067,7 @@
           <a:p>
             <a:r>
               <a:rPr lang="en-US" dirty="0"/>
-              <a:t>V. Comparison to related Works</a:t>
+              <a:t>V. Performance Evaluation of GCN-GRU Model</a:t>
             </a:r>
           </a:p>
         </p:txBody>
@@ -4151,7 +4130,7 @@
     </p:spTree>
     <p:extLst>
       <p:ext uri="{BB962C8B-B14F-4D97-AF65-F5344CB8AC3E}">
-        <p14:creationId xmlns:p14="http://schemas.microsoft.com/office/powerpoint/2010/main" val="3197210292"/>
+        <p14:creationId xmlns:p14="http://schemas.microsoft.com/office/powerpoint/2010/main" val="3668115018"/>
       </p:ext>
     </p:extLst>
   </p:cSld>
@@ -4203,7 +4182,7 @@
           <a:p>
             <a:r>
               <a:rPr lang="en-US" dirty="0"/>
-              <a:t>V. Discussion of Results</a:t>
+              <a:t>V. Comparison to related Works</a:t>
             </a:r>
           </a:p>
         </p:txBody>
@@ -4266,7 +4245,7 @@
     </p:spTree>
     <p:extLst>
       <p:ext uri="{BB962C8B-B14F-4D97-AF65-F5344CB8AC3E}">
-        <p14:creationId xmlns:p14="http://schemas.microsoft.com/office/powerpoint/2010/main" val="1853098907"/>
+        <p14:creationId xmlns:p14="http://schemas.microsoft.com/office/powerpoint/2010/main" val="3197210292"/>
       </p:ext>
     </p:extLst>
   </p:cSld>
@@ -4298,33 +4277,90 @@
           <p:cNvPr id="2" name="Title 1">
             <a:extLst>
               <a:ext uri="{FF2B5EF4-FFF2-40B4-BE49-F238E27FC236}">
-                <a16:creationId xmlns:a16="http://schemas.microsoft.com/office/drawing/2014/main" id="{1B1EA485-1CE4-D943-BF73-46F1F53E1FE8}"/>
-              </a:ext>
-            </a:extLst>
-          </p:cNvPr>
-          <p:cNvSpPr>
-            <a:spLocks noGrp="1"/>
-          </p:cNvSpPr>
-          <p:nvPr>
-            <p:ph type="ctrTitle"/>
-          </p:nvPr>
-        </p:nvSpPr>
-        <p:spPr/>
-        <p:txBody>
-          <a:bodyPr/>
+                <a16:creationId xmlns:a16="http://schemas.microsoft.com/office/drawing/2014/main" id="{BB0B49FC-91C4-7E4C-B0DF-F13D8EA4BEBD}"/>
+              </a:ext>
+            </a:extLst>
+          </p:cNvPr>
+          <p:cNvSpPr>
+            <a:spLocks noGrp="1"/>
+          </p:cNvSpPr>
+          <p:nvPr>
+            <p:ph type="title"/>
+          </p:nvPr>
+        </p:nvSpPr>
+        <p:spPr/>
+        <p:txBody>
+          <a:bodyPr>
+            <a:normAutofit/>
+          </a:bodyPr>
           <a:lstStyle/>
           <a:p>
             <a:r>
               <a:rPr lang="en-US" dirty="0"/>
-              <a:t>VI. References</a:t>
-            </a:r>
+              <a:t>V. Discussion of Results</a:t>
+            </a:r>
+          </a:p>
+        </p:txBody>
+      </p:sp>
+      <p:sp>
+        <p:nvSpPr>
+          <p:cNvPr id="3" name="Content Placeholder 2">
+            <a:extLst>
+              <a:ext uri="{FF2B5EF4-FFF2-40B4-BE49-F238E27FC236}">
+                <a16:creationId xmlns:a16="http://schemas.microsoft.com/office/drawing/2014/main" id="{E1735D7C-6796-A142-AA52-64D0BC4724F8}"/>
+              </a:ext>
+            </a:extLst>
+          </p:cNvPr>
+          <p:cNvSpPr>
+            <a:spLocks noGrp="1"/>
+          </p:cNvSpPr>
+          <p:nvPr>
+            <p:ph idx="1"/>
+          </p:nvPr>
+        </p:nvSpPr>
+        <p:spPr/>
+        <p:txBody>
+          <a:bodyPr/>
+          <a:lstStyle/>
+          <a:p>
+            <a:endParaRPr lang="en-US" dirty="0"/>
+          </a:p>
+        </p:txBody>
+      </p:sp>
+      <p:sp>
+        <p:nvSpPr>
+          <p:cNvPr id="4" name="Slide Number Placeholder 3">
+            <a:extLst>
+              <a:ext uri="{FF2B5EF4-FFF2-40B4-BE49-F238E27FC236}">
+                <a16:creationId xmlns:a16="http://schemas.microsoft.com/office/drawing/2014/main" id="{FD5BA6A9-CEA9-1F48-8C2B-13EE0DAE8F71}"/>
+              </a:ext>
+            </a:extLst>
+          </p:cNvPr>
+          <p:cNvSpPr>
+            <a:spLocks noGrp="1"/>
+          </p:cNvSpPr>
+          <p:nvPr>
+            <p:ph type="sldNum" sz="quarter" idx="12"/>
+          </p:nvPr>
+        </p:nvSpPr>
+        <p:spPr/>
+        <p:txBody>
+          <a:bodyPr/>
+          <a:lstStyle/>
+          <a:p>
+            <a:fld id="{5C35FCF4-C3EF-BD43-82E0-05BC237DAD2A}" type="slidenum">
+              <a:rPr lang="en-US" smtClean="0"/>
+              <a:pPr/>
+              <a:t>24</a:t>
+            </a:fld>
+            <a:endParaRPr lang="en-US" dirty="0"/>
           </a:p>
         </p:txBody>
       </p:sp>
     </p:spTree>
     <p:extLst>
       <p:ext uri="{BB962C8B-B14F-4D97-AF65-F5344CB8AC3E}">
-        <p14:creationId xmlns:p14="http://schemas.microsoft.com/office/powerpoint/2010/main" val="3414540338"/>
+        <p14:creationId xmlns:p14="http://schemas.microsoft.com/office/powerpoint/2010/main" val="1853098907"/>
       </p:ext>
     </p:extLst>
   </p:cSld>
@@ -4356,6 +4392,64 @@
           <p:cNvPr id="2" name="Title 1">
             <a:extLst>
               <a:ext uri="{FF2B5EF4-FFF2-40B4-BE49-F238E27FC236}">
+                <a16:creationId xmlns:a16="http://schemas.microsoft.com/office/drawing/2014/main" id="{1B1EA485-1CE4-D943-BF73-46F1F53E1FE8}"/>
+              </a:ext>
+            </a:extLst>
+          </p:cNvPr>
+          <p:cNvSpPr>
+            <a:spLocks noGrp="1"/>
+          </p:cNvSpPr>
+          <p:nvPr>
+            <p:ph type="ctrTitle"/>
+          </p:nvPr>
+        </p:nvSpPr>
+        <p:spPr/>
+        <p:txBody>
+          <a:bodyPr/>
+          <a:lstStyle/>
+          <a:p>
+            <a:r>
+              <a:rPr lang="en-US" dirty="0"/>
+              <a:t>VI. References</a:t>
+            </a:r>
+          </a:p>
+        </p:txBody>
+      </p:sp>
+    </p:spTree>
+    <p:extLst>
+      <p:ext uri="{BB962C8B-B14F-4D97-AF65-F5344CB8AC3E}">
+        <p14:creationId xmlns:p14="http://schemas.microsoft.com/office/powerpoint/2010/main" val="3414540338"/>
+      </p:ext>
+    </p:extLst>
+  </p:cSld>
+  <p:clrMapOvr>
+    <a:masterClrMapping/>
+  </p:clrMapOvr>
+</p:sld>
+</file>
+
+<file path=ppt/slides/slide26.xml><?xml version="1.0" encoding="utf-8"?>
+<p:sld xmlns:a="http://schemas.openxmlformats.org/drawingml/2006/main" xmlns:r="http://schemas.openxmlformats.org/officeDocument/2006/relationships" xmlns:p="http://schemas.openxmlformats.org/presentationml/2006/main">
+  <p:cSld>
+    <p:spTree>
+      <p:nvGrpSpPr>
+        <p:cNvPr id="1" name=""/>
+        <p:cNvGrpSpPr/>
+        <p:nvPr/>
+      </p:nvGrpSpPr>
+      <p:grpSpPr>
+        <a:xfrm>
+          <a:off x="0" y="0"/>
+          <a:ext cx="0" cy="0"/>
+          <a:chOff x="0" y="0"/>
+          <a:chExt cx="0" cy="0"/>
+        </a:xfrm>
+      </p:grpSpPr>
+      <p:sp>
+        <p:nvSpPr>
+          <p:cNvPr id="2" name="Title 1">
+            <a:extLst>
+              <a:ext uri="{FF2B5EF4-FFF2-40B4-BE49-F238E27FC236}">
                 <a16:creationId xmlns:a16="http://schemas.microsoft.com/office/drawing/2014/main" id="{BB0B49FC-91C4-7E4C-B0DF-F13D8EA4BEBD}"/>
               </a:ext>
             </a:extLst>
@@ -4430,7 +4524,7 @@
             <a:fld id="{5C35FCF4-C3EF-BD43-82E0-05BC237DAD2A}" type="slidenum">
               <a:rPr lang="en-US" smtClean="0"/>
               <a:pPr/>
-              <a:t>25</a:t>
+              <a:t>26</a:t>
             </a:fld>
             <a:endParaRPr lang="en-US" dirty="0"/>
           </a:p>
@@ -5109,7 +5203,7 @@
             <a:pPr lvl="1"/>
             <a:r>
               <a:rPr lang="en-US" sz="1600" dirty="0"/>
-              <a:t>Comparison to related Works</a:t>
+              <a:t>Comparison to Related Works</a:t>
             </a:r>
           </a:p>
           <a:p>
@@ -6086,12 +6180,26 @@
 </file>
 
 <file path=customXml/item1.xml><?xml version="1.0" encoding="utf-8"?>
-<?mso-contentType ?>
-<FormTemplates xmlns="http://schemas.microsoft.com/sharepoint/v3/contenttype/forms">
-  <Display>DocumentLibraryForm</Display>
-  <Edit>DocumentLibraryForm</Edit>
-  <New>DocumentLibraryForm</New>
-</FormTemplates>
+<p:properties xmlns:p="http://schemas.microsoft.com/office/2006/metadata/properties" xmlns:xsi="http://www.w3.org/2001/XMLSchema-instance" xmlns:pc="http://schemas.microsoft.com/office/infopath/2007/PartnerControls">
+  <documentManagement>
+    <SharedWithUsers xmlns="7a4191d5-9b76-4ae3-8401-87ceee92a846">
+      <UserInfo>
+        <DisplayName>Office Of Advancement Visitors</DisplayName>
+        <AccountId>4</AccountId>
+        <AccountType/>
+      </UserInfo>
+      <UserInfo>
+        <DisplayName>UCalgary Brand</DisplayName>
+        <AccountId>15</AccountId>
+        <AccountType/>
+      </UserInfo>
+    </SharedWithUsers>
+    <TaxCatchAll xmlns="7a4191d5-9b76-4ae3-8401-87ceee92a846" xsi:nil="true"/>
+    <lcf76f155ced4ddcb4097134ff3c332f xmlns="b9b0194d-1e98-4efc-bad5-9450f4bf7a13">
+      <Terms xmlns="http://schemas.microsoft.com/office/infopath/2007/PartnerControls"/>
+    </lcf76f155ced4ddcb4097134ff3c332f>
+  </documentManagement>
+</p:properties>
 </file>
 
 <file path=customXml/item2.xml><?xml version="1.0" encoding="utf-8"?>
@@ -6312,32 +6420,21 @@
 </file>
 
 <file path=customXml/item3.xml><?xml version="1.0" encoding="utf-8"?>
-<p:properties xmlns:p="http://schemas.microsoft.com/office/2006/metadata/properties" xmlns:xsi="http://www.w3.org/2001/XMLSchema-instance" xmlns:pc="http://schemas.microsoft.com/office/infopath/2007/PartnerControls">
-  <documentManagement>
-    <SharedWithUsers xmlns="7a4191d5-9b76-4ae3-8401-87ceee92a846">
-      <UserInfo>
-        <DisplayName>Office Of Advancement Visitors</DisplayName>
-        <AccountId>4</AccountId>
-        <AccountType/>
-      </UserInfo>
-      <UserInfo>
-        <DisplayName>UCalgary Brand</DisplayName>
-        <AccountId>15</AccountId>
-        <AccountType/>
-      </UserInfo>
-    </SharedWithUsers>
-    <TaxCatchAll xmlns="7a4191d5-9b76-4ae3-8401-87ceee92a846" xsi:nil="true"/>
-    <lcf76f155ced4ddcb4097134ff3c332f xmlns="b9b0194d-1e98-4efc-bad5-9450f4bf7a13">
-      <Terms xmlns="http://schemas.microsoft.com/office/infopath/2007/PartnerControls"/>
-    </lcf76f155ced4ddcb4097134ff3c332f>
-  </documentManagement>
-</p:properties>
+<?mso-contentType ?>
+<FormTemplates xmlns="http://schemas.microsoft.com/sharepoint/v3/contenttype/forms">
+  <Display>DocumentLibraryForm</Display>
+  <Edit>DocumentLibraryForm</Edit>
+  <New>DocumentLibraryForm</New>
+</FormTemplates>
 </file>
 
 <file path=customXml/itemProps1.xml><?xml version="1.0" encoding="utf-8"?>
-<ds:datastoreItem xmlns:ds="http://schemas.openxmlformats.org/officeDocument/2006/customXml" ds:itemID="{67A4AE25-BBA1-49A6-B4F8-E97286BA017A}">
+<ds:datastoreItem xmlns:ds="http://schemas.openxmlformats.org/officeDocument/2006/customXml" ds:itemID="{F0B8F560-7E6C-44AE-AFE4-924D1118F0AA}">
   <ds:schemaRefs>
-    <ds:schemaRef ds:uri="http://schemas.microsoft.com/sharepoint/v3/contenttype/forms"/>
+    <ds:schemaRef ds:uri="http://schemas.microsoft.com/office/2006/metadata/properties"/>
+    <ds:schemaRef ds:uri="http://schemas.microsoft.com/office/infopath/2007/PartnerControls"/>
+    <ds:schemaRef ds:uri="7a4191d5-9b76-4ae3-8401-87ceee92a846"/>
+    <ds:schemaRef ds:uri="b9b0194d-1e98-4efc-bad5-9450f4bf7a13"/>
   </ds:schemaRefs>
 </ds:datastoreItem>
 </file>
@@ -6362,12 +6459,9 @@
 </file>
 
 <file path=customXml/itemProps3.xml><?xml version="1.0" encoding="utf-8"?>
-<ds:datastoreItem xmlns:ds="http://schemas.openxmlformats.org/officeDocument/2006/customXml" ds:itemID="{F0B8F560-7E6C-44AE-AFE4-924D1118F0AA}">
+<ds:datastoreItem xmlns:ds="http://schemas.openxmlformats.org/officeDocument/2006/customXml" ds:itemID="{67A4AE25-BBA1-49A6-B4F8-E97286BA017A}">
   <ds:schemaRefs>
-    <ds:schemaRef ds:uri="http://schemas.microsoft.com/office/2006/metadata/properties"/>
-    <ds:schemaRef ds:uri="http://schemas.microsoft.com/office/infopath/2007/PartnerControls"/>
-    <ds:schemaRef ds:uri="7a4191d5-9b76-4ae3-8401-87ceee92a846"/>
-    <ds:schemaRef ds:uri="b9b0194d-1e98-4efc-bad5-9450f4bf7a13"/>
+    <ds:schemaRef ds:uri="http://schemas.microsoft.com/sharepoint/v3/contenttype/forms"/>
   </ds:schemaRefs>
 </ds:datastoreItem>
 </file>
--- a/A Recurrent Graph-Convolutional Network for Wind Speed Prediction.pptx
+++ b/A Recurrent Graph-Convolutional Network for Wind Speed Prediction.pptx
@@ -5,7 +5,7 @@
     <p:sldMasterId id="2147483648" r:id="rId4"/>
   </p:sldMasterIdLst>
   <p:notesMasterIdLst>
-    <p:notesMasterId r:id="rId31"/>
+    <p:notesMasterId r:id="rId33"/>
   </p:notesMasterIdLst>
   <p:sldIdLst>
     <p:sldId id="262" r:id="rId5"/>
@@ -33,7 +33,9 @@
     <p:sldId id="282" r:id="rId27"/>
     <p:sldId id="283" r:id="rId28"/>
     <p:sldId id="274" r:id="rId29"/>
-    <p:sldId id="286" r:id="rId30"/>
+    <p:sldId id="289" r:id="rId30"/>
+    <p:sldId id="288" r:id="rId31"/>
+    <p:sldId id="286" r:id="rId32"/>
   </p:sldIdLst>
   <p:sldSz cx="12192000" cy="6858000"/>
   <p:notesSz cx="6858000" cy="9144000"/>
@@ -233,7 +235,7 @@
           <a:p>
             <a:fld id="{4B2CACE1-0839-DD4E-8A8D-815B08AED9A4}" type="datetimeFigureOut">
               <a:rPr lang="en-US" smtClean="0"/>
-              <a:t>3/30/2023</a:t>
+              <a:t>4/3/2023</a:t>
             </a:fld>
             <a:endParaRPr lang="en-US"/>
           </a:p>
@@ -4187,31 +4189,643 @@
           </a:p>
         </p:txBody>
       </p:sp>
-      <p:sp>
-        <p:nvSpPr>
-          <p:cNvPr id="3" name="Content Placeholder 2">
-            <a:extLst>
-              <a:ext uri="{FF2B5EF4-FFF2-40B4-BE49-F238E27FC236}">
-                <a16:creationId xmlns:a16="http://schemas.microsoft.com/office/drawing/2014/main" id="{E1735D7C-6796-A142-AA52-64D0BC4724F8}"/>
-              </a:ext>
-            </a:extLst>
-          </p:cNvPr>
-          <p:cNvSpPr>
-            <a:spLocks noGrp="1"/>
-          </p:cNvSpPr>
+      <p:graphicFrame>
+        <p:nvGraphicFramePr>
+          <p:cNvPr id="5" name="Table 5">
+            <a:extLst>
+              <a:ext uri="{FF2B5EF4-FFF2-40B4-BE49-F238E27FC236}">
+                <a16:creationId xmlns:a16="http://schemas.microsoft.com/office/drawing/2014/main" id="{FFA08370-E1F5-A2C8-68AF-CB2AC5F90A59}"/>
+              </a:ext>
+            </a:extLst>
+          </p:cNvPr>
+          <p:cNvGraphicFramePr>
+            <a:graphicFrameLocks noGrp="1"/>
+          </p:cNvGraphicFramePr>
           <p:nvPr>
             <p:ph idx="1"/>
-          </p:nvPr>
-        </p:nvSpPr>
-        <p:spPr/>
-        <p:txBody>
-          <a:bodyPr/>
-          <a:lstStyle/>
-          <a:p>
-            <a:endParaRPr lang="en-US" dirty="0"/>
-          </a:p>
-        </p:txBody>
-      </p:sp>
+            <p:extLst>
+              <p:ext uri="{D42A27DB-BD31-4B8C-83A1-F6EECF244321}">
+                <p14:modId xmlns:p14="http://schemas.microsoft.com/office/powerpoint/2010/main" val="1320214810"/>
+              </p:ext>
+            </p:extLst>
+          </p:nvPr>
+        </p:nvGraphicFramePr>
+        <p:xfrm>
+          <a:off x="561975" y="1538288"/>
+          <a:ext cx="10515597" cy="4815840"/>
+        </p:xfrm>
+        <a:graphic>
+          <a:graphicData uri="http://schemas.openxmlformats.org/drawingml/2006/table">
+            <a:tbl>
+              <a:tblPr firstRow="1" bandRow="1">
+                <a:tableStyleId>{5C22544A-7EE6-4342-B048-85BDC9FD1C3A}</a:tableStyleId>
+              </a:tblPr>
+              <a:tblGrid>
+                <a:gridCol w="4714754">
+                  <a:extLst>
+                    <a:ext uri="{9D8B030D-6E8A-4147-A177-3AD203B41FA5}">
+                      <a16:colId xmlns:a16="http://schemas.microsoft.com/office/drawing/2014/main" val="217356313"/>
+                    </a:ext>
+                  </a:extLst>
+                </a:gridCol>
+                <a:gridCol w="2999465">
+                  <a:extLst>
+                    <a:ext uri="{9D8B030D-6E8A-4147-A177-3AD203B41FA5}">
+                      <a16:colId xmlns:a16="http://schemas.microsoft.com/office/drawing/2014/main" val="4264062161"/>
+                    </a:ext>
+                  </a:extLst>
+                </a:gridCol>
+                <a:gridCol w="2801378">
+                  <a:extLst>
+                    <a:ext uri="{9D8B030D-6E8A-4147-A177-3AD203B41FA5}">
+                      <a16:colId xmlns:a16="http://schemas.microsoft.com/office/drawing/2014/main" val="4052011559"/>
+                    </a:ext>
+                  </a:extLst>
+                </a:gridCol>
+              </a:tblGrid>
+              <a:tr h="370840">
+                <a:tc>
+                  <a:txBody>
+                    <a:bodyPr/>
+                    <a:lstStyle/>
+                    <a:p>
+                      <a:r>
+                        <a:rPr lang="en-CA" dirty="0"/>
+                        <a:t>Study Group</a:t>
+                      </a:r>
+                    </a:p>
+                  </a:txBody>
+                  <a:tcPr/>
+                </a:tc>
+                <a:tc>
+                  <a:txBody>
+                    <a:bodyPr/>
+                    <a:lstStyle/>
+                    <a:p>
+                      <a:r>
+                        <a:rPr lang="en-CA" dirty="0"/>
+                        <a:t>RMSE</a:t>
+                      </a:r>
+                    </a:p>
+                  </a:txBody>
+                  <a:tcPr/>
+                </a:tc>
+                <a:tc>
+                  <a:txBody>
+                    <a:bodyPr/>
+                    <a:lstStyle/>
+                    <a:p>
+                      <a:r>
+                        <a:rPr lang="en-CA" dirty="0"/>
+                        <a:t>MAE</a:t>
+                      </a:r>
+                    </a:p>
+                  </a:txBody>
+                  <a:tcPr/>
+                </a:tc>
+                <a:extLst>
+                  <a:ext uri="{0D108BD9-81ED-4DB2-BD59-A6C34878D82A}">
+                    <a16:rowId xmlns:a16="http://schemas.microsoft.com/office/drawing/2014/main" val="3408188024"/>
+                  </a:ext>
+                </a:extLst>
+              </a:tr>
+              <a:tr h="370840">
+                <a:tc>
+                  <a:txBody>
+                    <a:bodyPr/>
+                    <a:lstStyle/>
+                    <a:p>
+                      <a:r>
+                        <a:rPr lang="en-CA" dirty="0"/>
+                        <a:t>Chen et al. – 1 hour forecast</a:t>
+                      </a:r>
+                    </a:p>
+                  </a:txBody>
+                  <a:tcPr/>
+                </a:tc>
+                <a:tc>
+                  <a:txBody>
+                    <a:bodyPr/>
+                    <a:lstStyle/>
+                    <a:p>
+                      <a:r>
+                        <a:rPr lang="en-CA" dirty="0"/>
+                        <a:t>1.620</a:t>
+                      </a:r>
+                    </a:p>
+                  </a:txBody>
+                  <a:tcPr/>
+                </a:tc>
+                <a:tc>
+                  <a:txBody>
+                    <a:bodyPr/>
+                    <a:lstStyle/>
+                    <a:p>
+                      <a:r>
+                        <a:rPr lang="en-CA" dirty="0"/>
+                        <a:t>1.538</a:t>
+                      </a:r>
+                    </a:p>
+                  </a:txBody>
+                  <a:tcPr/>
+                </a:tc>
+                <a:extLst>
+                  <a:ext uri="{0D108BD9-81ED-4DB2-BD59-A6C34878D82A}">
+                    <a16:rowId xmlns:a16="http://schemas.microsoft.com/office/drawing/2014/main" val="3050245343"/>
+                  </a:ext>
+                </a:extLst>
+              </a:tr>
+              <a:tr h="370840">
+                <a:tc>
+                  <a:txBody>
+                    <a:bodyPr/>
+                    <a:lstStyle/>
+                    <a:p>
+                      <a:r>
+                        <a:rPr lang="en-CA" dirty="0"/>
+                        <a:t>Chen et al. – 2 hour forecast</a:t>
+                      </a:r>
+                    </a:p>
+                  </a:txBody>
+                  <a:tcPr/>
+                </a:tc>
+                <a:tc>
+                  <a:txBody>
+                    <a:bodyPr/>
+                    <a:lstStyle/>
+                    <a:p>
+                      <a:r>
+                        <a:rPr lang="en-CA" dirty="0"/>
+                        <a:t>1.867</a:t>
+                      </a:r>
+                    </a:p>
+                  </a:txBody>
+                  <a:tcPr/>
+                </a:tc>
+                <a:tc>
+                  <a:txBody>
+                    <a:bodyPr/>
+                    <a:lstStyle/>
+                    <a:p>
+                      <a:r>
+                        <a:rPr lang="en-CA" dirty="0"/>
+                        <a:t>1.762</a:t>
+                      </a:r>
+                    </a:p>
+                  </a:txBody>
+                  <a:tcPr/>
+                </a:tc>
+                <a:extLst>
+                  <a:ext uri="{0D108BD9-81ED-4DB2-BD59-A6C34878D82A}">
+                    <a16:rowId xmlns:a16="http://schemas.microsoft.com/office/drawing/2014/main" val="2996198574"/>
+                  </a:ext>
+                </a:extLst>
+              </a:tr>
+              <a:tr h="370840">
+                <a:tc>
+                  <a:txBody>
+                    <a:bodyPr/>
+                    <a:lstStyle/>
+                    <a:p>
+                      <a:endParaRPr lang="en-CA" dirty="0"/>
+                    </a:p>
+                  </a:txBody>
+                  <a:tcPr/>
+                </a:tc>
+                <a:tc>
+                  <a:txBody>
+                    <a:bodyPr/>
+                    <a:lstStyle/>
+                    <a:p>
+                      <a:endParaRPr lang="en-CA" dirty="0"/>
+                    </a:p>
+                  </a:txBody>
+                  <a:tcPr/>
+                </a:tc>
+                <a:tc>
+                  <a:txBody>
+                    <a:bodyPr/>
+                    <a:lstStyle/>
+                    <a:p>
+                      <a:endParaRPr lang="en-CA" dirty="0"/>
+                    </a:p>
+                  </a:txBody>
+                  <a:tcPr/>
+                </a:tc>
+                <a:extLst>
+                  <a:ext uri="{0D108BD9-81ED-4DB2-BD59-A6C34878D82A}">
+                    <a16:rowId xmlns:a16="http://schemas.microsoft.com/office/drawing/2014/main" val="4194904198"/>
+                  </a:ext>
+                </a:extLst>
+              </a:tr>
+              <a:tr h="370840">
+                <a:tc>
+                  <a:txBody>
+                    <a:bodyPr/>
+                    <a:lstStyle/>
+                    <a:p>
+                      <a:r>
+                        <a:rPr lang="en-CA" dirty="0"/>
+                        <a:t>Stanczyk and </a:t>
+                      </a:r>
+                      <a:r>
+                        <a:rPr lang="en-CA" dirty="0" err="1"/>
+                        <a:t>Mehrkanoon</a:t>
+                      </a:r>
+                      <a:r>
+                        <a:rPr lang="en-CA" dirty="0"/>
+                        <a:t> – 2 hour forecast</a:t>
+                      </a:r>
+                    </a:p>
+                  </a:txBody>
+                  <a:tcPr/>
+                </a:tc>
+                <a:tc>
+                  <a:txBody>
+                    <a:bodyPr/>
+                    <a:lstStyle/>
+                    <a:p>
+                      <a:r>
+                        <a:rPr lang="en-CA" dirty="0"/>
+                        <a:t>10.57</a:t>
+                      </a:r>
+                    </a:p>
+                  </a:txBody>
+                  <a:tcPr/>
+                </a:tc>
+                <a:tc>
+                  <a:txBody>
+                    <a:bodyPr/>
+                    <a:lstStyle/>
+                    <a:p>
+                      <a:r>
+                        <a:rPr lang="en-CA" dirty="0"/>
+                        <a:t>7.96</a:t>
+                      </a:r>
+                    </a:p>
+                  </a:txBody>
+                  <a:tcPr/>
+                </a:tc>
+                <a:extLst>
+                  <a:ext uri="{0D108BD9-81ED-4DB2-BD59-A6C34878D82A}">
+                    <a16:rowId xmlns:a16="http://schemas.microsoft.com/office/drawing/2014/main" val="67533419"/>
+                  </a:ext>
+                </a:extLst>
+              </a:tr>
+              <a:tr h="131155">
+                <a:tc>
+                  <a:txBody>
+                    <a:bodyPr/>
+                    <a:lstStyle/>
+                    <a:p>
+                      <a:endParaRPr lang="en-CA" dirty="0"/>
+                    </a:p>
+                  </a:txBody>
+                  <a:tcPr/>
+                </a:tc>
+                <a:tc>
+                  <a:txBody>
+                    <a:bodyPr/>
+                    <a:lstStyle/>
+                    <a:p>
+                      <a:endParaRPr lang="en-CA" dirty="0"/>
+                    </a:p>
+                  </a:txBody>
+                  <a:tcPr/>
+                </a:tc>
+                <a:tc>
+                  <a:txBody>
+                    <a:bodyPr/>
+                    <a:lstStyle/>
+                    <a:p>
+                      <a:endParaRPr lang="en-CA" dirty="0"/>
+                    </a:p>
+                  </a:txBody>
+                  <a:tcPr/>
+                </a:tc>
+                <a:extLst>
+                  <a:ext uri="{0D108BD9-81ED-4DB2-BD59-A6C34878D82A}">
+                    <a16:rowId xmlns:a16="http://schemas.microsoft.com/office/drawing/2014/main" val="2964642458"/>
+                  </a:ext>
+                </a:extLst>
+              </a:tr>
+              <a:tr h="370840">
+                <a:tc>
+                  <a:txBody>
+                    <a:bodyPr/>
+                    <a:lstStyle/>
+                    <a:p>
+                      <a:r>
+                        <a:rPr lang="en-CA" dirty="0"/>
+                        <a:t>Liu and Ware – 1 hour forecast</a:t>
+                      </a:r>
+                    </a:p>
+                  </a:txBody>
+                  <a:tcPr/>
+                </a:tc>
+                <a:tc>
+                  <a:txBody>
+                    <a:bodyPr/>
+                    <a:lstStyle/>
+                    <a:p>
+                      <a:r>
+                        <a:rPr lang="en-CA" dirty="0"/>
+                        <a:t>5.900 – 3.3798</a:t>
+                      </a:r>
+                    </a:p>
+                  </a:txBody>
+                  <a:tcPr/>
+                </a:tc>
+                <a:tc>
+                  <a:txBody>
+                    <a:bodyPr/>
+                    <a:lstStyle/>
+                    <a:p>
+                      <a:r>
+                        <a:rPr lang="en-CA" dirty="0"/>
+                        <a:t>4.346 – 2.766</a:t>
+                      </a:r>
+                    </a:p>
+                  </a:txBody>
+                  <a:tcPr/>
+                </a:tc>
+                <a:extLst>
+                  <a:ext uri="{0D108BD9-81ED-4DB2-BD59-A6C34878D82A}">
+                    <a16:rowId xmlns:a16="http://schemas.microsoft.com/office/drawing/2014/main" val="1620604250"/>
+                  </a:ext>
+                </a:extLst>
+              </a:tr>
+              <a:tr h="370840">
+                <a:tc>
+                  <a:txBody>
+                    <a:bodyPr/>
+                    <a:lstStyle/>
+                    <a:p>
+                      <a:r>
+                        <a:rPr lang="en-CA" dirty="0"/>
+                        <a:t>Liu and Ware – 2 hour forecast</a:t>
+                      </a:r>
+                    </a:p>
+                  </a:txBody>
+                  <a:tcPr/>
+                </a:tc>
+                <a:tc>
+                  <a:txBody>
+                    <a:bodyPr/>
+                    <a:lstStyle/>
+                    <a:p>
+                      <a:r>
+                        <a:rPr lang="en-CA" dirty="0"/>
+                        <a:t>6.9127 – 3.881</a:t>
+                      </a:r>
+                    </a:p>
+                  </a:txBody>
+                  <a:tcPr/>
+                </a:tc>
+                <a:tc>
+                  <a:txBody>
+                    <a:bodyPr/>
+                    <a:lstStyle/>
+                    <a:p>
+                      <a:r>
+                        <a:rPr lang="en-CA" dirty="0"/>
+                        <a:t>5.153 – 2.939</a:t>
+                      </a:r>
+                    </a:p>
+                  </a:txBody>
+                  <a:tcPr/>
+                </a:tc>
+                <a:extLst>
+                  <a:ext uri="{0D108BD9-81ED-4DB2-BD59-A6C34878D82A}">
+                    <a16:rowId xmlns:a16="http://schemas.microsoft.com/office/drawing/2014/main" val="3908216367"/>
+                  </a:ext>
+                </a:extLst>
+              </a:tr>
+              <a:tr h="370840">
+                <a:tc>
+                  <a:txBody>
+                    <a:bodyPr/>
+                    <a:lstStyle/>
+                    <a:p>
+                      <a:r>
+                        <a:rPr lang="en-CA" dirty="0"/>
+                        <a:t>Liu and Ware – 3 Hour forecast</a:t>
+                      </a:r>
+                    </a:p>
+                  </a:txBody>
+                  <a:tcPr/>
+                </a:tc>
+                <a:tc>
+                  <a:txBody>
+                    <a:bodyPr/>
+                    <a:lstStyle/>
+                    <a:p>
+                      <a:r>
+                        <a:rPr lang="en-CA" dirty="0"/>
+                        <a:t>7.845 – 4.252</a:t>
+                      </a:r>
+                    </a:p>
+                  </a:txBody>
+                  <a:tcPr/>
+                </a:tc>
+                <a:tc>
+                  <a:txBody>
+                    <a:bodyPr/>
+                    <a:lstStyle/>
+                    <a:p>
+                      <a:r>
+                        <a:rPr lang="en-CA" dirty="0"/>
+                        <a:t>5.884 – 3.206</a:t>
+                      </a:r>
+                    </a:p>
+                  </a:txBody>
+                  <a:tcPr/>
+                </a:tc>
+                <a:extLst>
+                  <a:ext uri="{0D108BD9-81ED-4DB2-BD59-A6C34878D82A}">
+                    <a16:rowId xmlns:a16="http://schemas.microsoft.com/office/drawing/2014/main" val="3381476863"/>
+                  </a:ext>
+                </a:extLst>
+              </a:tr>
+              <a:tr h="370840">
+                <a:tc>
+                  <a:txBody>
+                    <a:bodyPr/>
+                    <a:lstStyle/>
+                    <a:p>
+                      <a:endParaRPr lang="en-CA" dirty="0"/>
+                    </a:p>
+                  </a:txBody>
+                  <a:tcPr/>
+                </a:tc>
+                <a:tc>
+                  <a:txBody>
+                    <a:bodyPr/>
+                    <a:lstStyle/>
+                    <a:p>
+                      <a:endParaRPr lang="en-CA" dirty="0"/>
+                    </a:p>
+                  </a:txBody>
+                  <a:tcPr/>
+                </a:tc>
+                <a:tc>
+                  <a:txBody>
+                    <a:bodyPr/>
+                    <a:lstStyle/>
+                    <a:p>
+                      <a:endParaRPr lang="en-CA" dirty="0"/>
+                    </a:p>
+                  </a:txBody>
+                  <a:tcPr/>
+                </a:tc>
+                <a:extLst>
+                  <a:ext uri="{0D108BD9-81ED-4DB2-BD59-A6C34878D82A}">
+                    <a16:rowId xmlns:a16="http://schemas.microsoft.com/office/drawing/2014/main" val="4080710002"/>
+                  </a:ext>
+                </a:extLst>
+              </a:tr>
+              <a:tr h="370840">
+                <a:tc>
+                  <a:txBody>
+                    <a:bodyPr/>
+                    <a:lstStyle/>
+                    <a:p>
+                      <a:r>
+                        <a:rPr lang="en-CA" dirty="0"/>
+                        <a:t>Our work – 1 hour forecast</a:t>
+                      </a:r>
+                    </a:p>
+                  </a:txBody>
+                  <a:tcPr/>
+                </a:tc>
+                <a:tc>
+                  <a:txBody>
+                    <a:bodyPr/>
+                    <a:lstStyle/>
+                    <a:p>
+                      <a:r>
+                        <a:rPr lang="en-CA" dirty="0"/>
+                        <a:t>3.306 – 3.639</a:t>
+                      </a:r>
+                    </a:p>
+                  </a:txBody>
+                  <a:tcPr/>
+                </a:tc>
+                <a:tc>
+                  <a:txBody>
+                    <a:bodyPr/>
+                    <a:lstStyle/>
+                    <a:p>
+                      <a:r>
+                        <a:rPr lang="en-CA" dirty="0"/>
+                        <a:t>1.595 – 2.863</a:t>
+                      </a:r>
+                    </a:p>
+                  </a:txBody>
+                  <a:tcPr/>
+                </a:tc>
+                <a:extLst>
+                  <a:ext uri="{0D108BD9-81ED-4DB2-BD59-A6C34878D82A}">
+                    <a16:rowId xmlns:a16="http://schemas.microsoft.com/office/drawing/2014/main" val="544404100"/>
+                  </a:ext>
+                </a:extLst>
+              </a:tr>
+              <a:tr h="370840">
+                <a:tc>
+                  <a:txBody>
+                    <a:bodyPr/>
+                    <a:lstStyle/>
+                    <a:p>
+                      <a:r>
+                        <a:rPr lang="en-CA" dirty="0"/>
+                        <a:t>Our work – 2 hour forecast</a:t>
+                      </a:r>
+                    </a:p>
+                  </a:txBody>
+                  <a:tcPr/>
+                </a:tc>
+                <a:tc>
+                  <a:txBody>
+                    <a:bodyPr/>
+                    <a:lstStyle/>
+                    <a:p>
+                      <a:r>
+                        <a:rPr lang="en-CA" dirty="0"/>
+                        <a:t>4.561 – 4.714</a:t>
+                      </a:r>
+                    </a:p>
+                  </a:txBody>
+                  <a:tcPr/>
+                </a:tc>
+                <a:tc>
+                  <a:txBody>
+                    <a:bodyPr/>
+                    <a:lstStyle/>
+                    <a:p>
+                      <a:r>
+                        <a:rPr lang="en-CA" dirty="0"/>
+                        <a:t>3.603 – 3.705</a:t>
+                      </a:r>
+                    </a:p>
+                  </a:txBody>
+                  <a:tcPr/>
+                </a:tc>
+                <a:extLst>
+                  <a:ext uri="{0D108BD9-81ED-4DB2-BD59-A6C34878D82A}">
+                    <a16:rowId xmlns:a16="http://schemas.microsoft.com/office/drawing/2014/main" val="343391437"/>
+                  </a:ext>
+                </a:extLst>
+              </a:tr>
+              <a:tr h="370840">
+                <a:tc>
+                  <a:txBody>
+                    <a:bodyPr/>
+                    <a:lstStyle/>
+                    <a:p>
+                      <a:r>
+                        <a:rPr lang="en-CA" dirty="0"/>
+                        <a:t>Our work – 3 hour forecast</a:t>
+                      </a:r>
+                    </a:p>
+                  </a:txBody>
+                  <a:tcPr/>
+                </a:tc>
+                <a:tc>
+                  <a:txBody>
+                    <a:bodyPr/>
+                    <a:lstStyle/>
+                    <a:p>
+                      <a:r>
+                        <a:rPr lang="en-CA" dirty="0"/>
+                        <a:t>5.083 – 5.658</a:t>
+                      </a:r>
+                    </a:p>
+                  </a:txBody>
+                  <a:tcPr/>
+                </a:tc>
+                <a:tc>
+                  <a:txBody>
+                    <a:bodyPr/>
+                    <a:lstStyle/>
+                    <a:p>
+                      <a:r>
+                        <a:rPr lang="en-CA" dirty="0"/>
+                        <a:t>3.937 – 4.388</a:t>
+                      </a:r>
+                    </a:p>
+                  </a:txBody>
+                  <a:tcPr/>
+                </a:tc>
+                <a:extLst>
+                  <a:ext uri="{0D108BD9-81ED-4DB2-BD59-A6C34878D82A}">
+                    <a16:rowId xmlns:a16="http://schemas.microsoft.com/office/drawing/2014/main" val="4101583437"/>
+                  </a:ext>
+                </a:extLst>
+              </a:tr>
+            </a:tbl>
+          </a:graphicData>
+        </a:graphic>
+      </p:graphicFrame>
       <p:sp>
         <p:nvSpPr>
           <p:cNvPr id="4" name="Slide Number Placeholder 3">
@@ -4323,7 +4937,61 @@
           <a:bodyPr/>
           <a:lstStyle/>
           <a:p>
-            <a:endParaRPr lang="en-US" dirty="0"/>
+            <a:r>
+              <a:rPr lang="en-US" dirty="0"/>
+              <a:t>We have comparable results to existing work</a:t>
+            </a:r>
+          </a:p>
+          <a:p>
+            <a:r>
+              <a:rPr lang="en-US" dirty="0"/>
+              <a:t>Our MAE shows that this model has promise to optimize wind power:</a:t>
+            </a:r>
+          </a:p>
+          <a:p>
+            <a:pPr lvl="1"/>
+            <a:r>
+              <a:rPr lang="en-US" dirty="0"/>
+              <a:t>&lt;3 km/</a:t>
+            </a:r>
+            <a:r>
+              <a:rPr lang="en-US" dirty="0" err="1"/>
+              <a:t>hr</a:t>
+            </a:r>
+            <a:r>
+              <a:rPr lang="en-US" dirty="0"/>
+              <a:t> for 1 hour forecast</a:t>
+            </a:r>
+          </a:p>
+          <a:p>
+            <a:pPr lvl="1"/>
+            <a:r>
+              <a:rPr lang="en-US" dirty="0"/>
+              <a:t>&lt;4 km/</a:t>
+            </a:r>
+            <a:r>
+              <a:rPr lang="en-US" dirty="0" err="1"/>
+              <a:t>hr</a:t>
+            </a:r>
+            <a:r>
+              <a:rPr lang="en-US" dirty="0"/>
+              <a:t> for 2 hour forecast</a:t>
+            </a:r>
+          </a:p>
+          <a:p>
+            <a:pPr lvl="1"/>
+            <a:r>
+              <a:rPr lang="en-US" dirty="0"/>
+              <a:t>&lt;5 km/</a:t>
+            </a:r>
+            <a:r>
+              <a:rPr lang="en-US" dirty="0" err="1"/>
+              <a:t>hr</a:t>
+            </a:r>
+            <a:r>
+              <a:rPr lang="en-US" dirty="0"/>
+              <a:t> for 3 hour forecast</a:t>
+            </a:r>
           </a:p>
         </p:txBody>
       </p:sp>
@@ -4410,7 +5078,7 @@
           <a:p>
             <a:r>
               <a:rPr lang="en-US" dirty="0"/>
-              <a:t>VI. References</a:t>
+              <a:t>VI. Conclusion</a:t>
             </a:r>
           </a:p>
         </p:txBody>
@@ -4470,7 +5138,7 @@
           <a:p>
             <a:r>
               <a:rPr lang="en-US" dirty="0"/>
-              <a:t>VI. Discussion of Results</a:t>
+              <a:t>VI. Conclusion</a:t>
             </a:r>
           </a:p>
         </p:txBody>
@@ -4496,7 +5164,22 @@
           <a:bodyPr/>
           <a:lstStyle/>
           <a:p>
-            <a:endParaRPr lang="en-US" dirty="0"/>
+            <a:r>
+              <a:rPr lang="en-US" dirty="0"/>
+              <a:t>We combined a GCN model with a GRU model for wind forecasting</a:t>
+            </a:r>
+          </a:p>
+          <a:p>
+            <a:r>
+              <a:rPr lang="en-US" dirty="0"/>
+              <a:t>We achieved similar results to existing work with fairly high accuracy</a:t>
+            </a:r>
+          </a:p>
+          <a:p>
+            <a:r>
+              <a:rPr lang="en-US" dirty="0"/>
+              <a:t>Future work can examine the computation cost of more data or the accuracy of wind power forecasting</a:t>
+            </a:r>
           </a:p>
         </p:txBody>
       </p:sp>
@@ -4525,6 +5208,179 @@
               <a:rPr lang="en-US" smtClean="0"/>
               <a:pPr/>
               <a:t>26</a:t>
+            </a:fld>
+            <a:endParaRPr lang="en-US" dirty="0"/>
+          </a:p>
+        </p:txBody>
+      </p:sp>
+    </p:spTree>
+    <p:extLst>
+      <p:ext uri="{BB962C8B-B14F-4D97-AF65-F5344CB8AC3E}">
+        <p14:creationId xmlns:p14="http://schemas.microsoft.com/office/powerpoint/2010/main" val="1942424845"/>
+      </p:ext>
+    </p:extLst>
+  </p:cSld>
+  <p:clrMapOvr>
+    <a:masterClrMapping/>
+  </p:clrMapOvr>
+</p:sld>
+</file>
+
+<file path=ppt/slides/slide27.xml><?xml version="1.0" encoding="utf-8"?>
+<p:sld xmlns:a="http://schemas.openxmlformats.org/drawingml/2006/main" xmlns:r="http://schemas.openxmlformats.org/officeDocument/2006/relationships" xmlns:p="http://schemas.openxmlformats.org/presentationml/2006/main">
+  <p:cSld>
+    <p:spTree>
+      <p:nvGrpSpPr>
+        <p:cNvPr id="1" name=""/>
+        <p:cNvGrpSpPr/>
+        <p:nvPr/>
+      </p:nvGrpSpPr>
+      <p:grpSpPr>
+        <a:xfrm>
+          <a:off x="0" y="0"/>
+          <a:ext cx="0" cy="0"/>
+          <a:chOff x="0" y="0"/>
+          <a:chExt cx="0" cy="0"/>
+        </a:xfrm>
+      </p:grpSpPr>
+      <p:sp>
+        <p:nvSpPr>
+          <p:cNvPr id="2" name="Title 1">
+            <a:extLst>
+              <a:ext uri="{FF2B5EF4-FFF2-40B4-BE49-F238E27FC236}">
+                <a16:creationId xmlns:a16="http://schemas.microsoft.com/office/drawing/2014/main" id="{1B1EA485-1CE4-D943-BF73-46F1F53E1FE8}"/>
+              </a:ext>
+            </a:extLst>
+          </p:cNvPr>
+          <p:cNvSpPr>
+            <a:spLocks noGrp="1"/>
+          </p:cNvSpPr>
+          <p:nvPr>
+            <p:ph type="ctrTitle"/>
+          </p:nvPr>
+        </p:nvSpPr>
+        <p:spPr/>
+        <p:txBody>
+          <a:bodyPr/>
+          <a:lstStyle/>
+          <a:p>
+            <a:r>
+              <a:rPr lang="en-US" dirty="0"/>
+              <a:t>VII. References</a:t>
+            </a:r>
+          </a:p>
+        </p:txBody>
+      </p:sp>
+    </p:spTree>
+    <p:extLst>
+      <p:ext uri="{BB962C8B-B14F-4D97-AF65-F5344CB8AC3E}">
+        <p14:creationId xmlns:p14="http://schemas.microsoft.com/office/powerpoint/2010/main" val="1376993221"/>
+      </p:ext>
+    </p:extLst>
+  </p:cSld>
+  <p:clrMapOvr>
+    <a:masterClrMapping/>
+  </p:clrMapOvr>
+</p:sld>
+</file>
+
+<file path=ppt/slides/slide28.xml><?xml version="1.0" encoding="utf-8"?>
+<p:sld xmlns:a="http://schemas.openxmlformats.org/drawingml/2006/main" xmlns:r="http://schemas.openxmlformats.org/officeDocument/2006/relationships" xmlns:p="http://schemas.openxmlformats.org/presentationml/2006/main">
+  <p:cSld>
+    <p:spTree>
+      <p:nvGrpSpPr>
+        <p:cNvPr id="1" name=""/>
+        <p:cNvGrpSpPr/>
+        <p:nvPr/>
+      </p:nvGrpSpPr>
+      <p:grpSpPr>
+        <a:xfrm>
+          <a:off x="0" y="0"/>
+          <a:ext cx="0" cy="0"/>
+          <a:chOff x="0" y="0"/>
+          <a:chExt cx="0" cy="0"/>
+        </a:xfrm>
+      </p:grpSpPr>
+      <p:sp>
+        <p:nvSpPr>
+          <p:cNvPr id="2" name="Title 1">
+            <a:extLst>
+              <a:ext uri="{FF2B5EF4-FFF2-40B4-BE49-F238E27FC236}">
+                <a16:creationId xmlns:a16="http://schemas.microsoft.com/office/drawing/2014/main" id="{BB0B49FC-91C4-7E4C-B0DF-F13D8EA4BEBD}"/>
+              </a:ext>
+            </a:extLst>
+          </p:cNvPr>
+          <p:cNvSpPr>
+            <a:spLocks noGrp="1"/>
+          </p:cNvSpPr>
+          <p:nvPr>
+            <p:ph type="title"/>
+          </p:nvPr>
+        </p:nvSpPr>
+        <p:spPr/>
+        <p:txBody>
+          <a:bodyPr>
+            <a:normAutofit/>
+          </a:bodyPr>
+          <a:lstStyle/>
+          <a:p>
+            <a:r>
+              <a:rPr lang="en-US" dirty="0"/>
+              <a:t>VI. Discussion of Results</a:t>
+            </a:r>
+          </a:p>
+        </p:txBody>
+      </p:sp>
+      <p:sp>
+        <p:nvSpPr>
+          <p:cNvPr id="3" name="Content Placeholder 2">
+            <a:extLst>
+              <a:ext uri="{FF2B5EF4-FFF2-40B4-BE49-F238E27FC236}">
+                <a16:creationId xmlns:a16="http://schemas.microsoft.com/office/drawing/2014/main" id="{E1735D7C-6796-A142-AA52-64D0BC4724F8}"/>
+              </a:ext>
+            </a:extLst>
+          </p:cNvPr>
+          <p:cNvSpPr>
+            <a:spLocks noGrp="1"/>
+          </p:cNvSpPr>
+          <p:nvPr>
+            <p:ph idx="1"/>
+          </p:nvPr>
+        </p:nvSpPr>
+        <p:spPr/>
+        <p:txBody>
+          <a:bodyPr/>
+          <a:lstStyle/>
+          <a:p>
+            <a:endParaRPr lang="en-US" dirty="0"/>
+          </a:p>
+        </p:txBody>
+      </p:sp>
+      <p:sp>
+        <p:nvSpPr>
+          <p:cNvPr id="4" name="Slide Number Placeholder 3">
+            <a:extLst>
+              <a:ext uri="{FF2B5EF4-FFF2-40B4-BE49-F238E27FC236}">
+                <a16:creationId xmlns:a16="http://schemas.microsoft.com/office/drawing/2014/main" id="{FD5BA6A9-CEA9-1F48-8C2B-13EE0DAE8F71}"/>
+              </a:ext>
+            </a:extLst>
+          </p:cNvPr>
+          <p:cNvSpPr>
+            <a:spLocks noGrp="1"/>
+          </p:cNvSpPr>
+          <p:nvPr>
+            <p:ph type="sldNum" sz="quarter" idx="12"/>
+          </p:nvPr>
+        </p:nvSpPr>
+        <p:spPr/>
+        <p:txBody>
+          <a:bodyPr/>
+          <a:lstStyle/>
+          <a:p>
+            <a:fld id="{5C35FCF4-C3EF-BD43-82E0-05BC237DAD2A}" type="slidenum">
+              <a:rPr lang="en-US" smtClean="0"/>
+              <a:pPr/>
+              <a:t>28</a:t>
             </a:fld>
             <a:endParaRPr lang="en-US" dirty="0"/>
           </a:p>
@@ -6203,6 +7059,15 @@
 </file>
 
 <file path=customXml/item2.xml><?xml version="1.0" encoding="utf-8"?>
+<?mso-contentType ?>
+<FormTemplates xmlns="http://schemas.microsoft.com/sharepoint/v3/contenttype/forms">
+  <Display>DocumentLibraryForm</Display>
+  <Edit>DocumentLibraryForm</Edit>
+  <New>DocumentLibraryForm</New>
+</FormTemplates>
+</file>
+
+<file path=customXml/item3.xml><?xml version="1.0" encoding="utf-8"?>
 <ct:contentTypeSchema xmlns:ct="http://schemas.microsoft.com/office/2006/metadata/contentType" xmlns:ma="http://schemas.microsoft.com/office/2006/metadata/properties/metaAttributes" ct:_="" ma:_="" ma:contentTypeName="Document" ma:contentTypeID="0x010100A14D9A0FA515564792FEACC70AB1043E" ma:contentTypeVersion="14" ma:contentTypeDescription="Create a new document." ma:contentTypeScope="" ma:versionID="7f7e0cc1e40a88b99413075e8bf30554">
   <xsd:schema xmlns:xsd="http://www.w3.org/2001/XMLSchema" xmlns:xs="http://www.w3.org/2001/XMLSchema" xmlns:p="http://schemas.microsoft.com/office/2006/metadata/properties" xmlns:ns2="7a4191d5-9b76-4ae3-8401-87ceee92a846" xmlns:ns3="b9b0194d-1e98-4efc-bad5-9450f4bf7a13" targetNamespace="http://schemas.microsoft.com/office/2006/metadata/properties" ma:root="true" ma:fieldsID="bf2af2146a9b0966e9a87ebb457fba04" ns2:_="" ns3:_="">
     <xsd:import namespace="7a4191d5-9b76-4ae3-8401-87ceee92a846"/>
@@ -6419,15 +7284,6 @@
 </ct:contentTypeSchema>
 </file>
 
-<file path=customXml/item3.xml><?xml version="1.0" encoding="utf-8"?>
-<?mso-contentType ?>
-<FormTemplates xmlns="http://schemas.microsoft.com/sharepoint/v3/contenttype/forms">
-  <Display>DocumentLibraryForm</Display>
-  <Edit>DocumentLibraryForm</Edit>
-  <New>DocumentLibraryForm</New>
-</FormTemplates>
-</file>
-
 <file path=customXml/itemProps1.xml><?xml version="1.0" encoding="utf-8"?>
 <ds:datastoreItem xmlns:ds="http://schemas.openxmlformats.org/officeDocument/2006/customXml" ds:itemID="{F0B8F560-7E6C-44AE-AFE4-924D1118F0AA}">
   <ds:schemaRefs>
@@ -6440,6 +7296,14 @@
 </file>
 
 <file path=customXml/itemProps2.xml><?xml version="1.0" encoding="utf-8"?>
+<ds:datastoreItem xmlns:ds="http://schemas.openxmlformats.org/officeDocument/2006/customXml" ds:itemID="{67A4AE25-BBA1-49A6-B4F8-E97286BA017A}">
+  <ds:schemaRefs>
+    <ds:schemaRef ds:uri="http://schemas.microsoft.com/sharepoint/v3/contenttype/forms"/>
+  </ds:schemaRefs>
+</ds:datastoreItem>
+</file>
+
+<file path=customXml/itemProps3.xml><?xml version="1.0" encoding="utf-8"?>
 <ds:datastoreItem xmlns:ds="http://schemas.openxmlformats.org/officeDocument/2006/customXml" ds:itemID="{13416CE4-55A1-4737-9F9A-2B165A2C2239}">
   <ds:schemaRefs>
     <ds:schemaRef ds:uri="http://schemas.microsoft.com/office/2006/metadata/contentType"/>
@@ -6456,12 +7320,4 @@
     <ds:schemaRef ds:uri="http://schemas.microsoft.com/internal/obd"/>
   </ds:schemaRefs>
 </ds:datastoreItem>
-</file>
-
-<file path=customXml/itemProps3.xml><?xml version="1.0" encoding="utf-8"?>
-<ds:datastoreItem xmlns:ds="http://schemas.openxmlformats.org/officeDocument/2006/customXml" ds:itemID="{67A4AE25-BBA1-49A6-B4F8-E97286BA017A}">
-  <ds:schemaRefs>
-    <ds:schemaRef ds:uri="http://schemas.microsoft.com/sharepoint/v3/contenttype/forms"/>
-  </ds:schemaRefs>
-</ds:datastoreItem>
 </file>
--- a/A Recurrent Graph-Convolutional Network for Wind Speed Prediction.pptx
+++ b/A Recurrent Graph-Convolutional Network for Wind Speed Prediction.pptx
@@ -4205,14 +4205,14 @@
             <p:ph idx="1"/>
             <p:extLst>
               <p:ext uri="{D42A27DB-BD31-4B8C-83A1-F6EECF244321}">
-                <p14:modId xmlns:p14="http://schemas.microsoft.com/office/powerpoint/2010/main" val="1320214810"/>
+                <p14:modId xmlns:p14="http://schemas.microsoft.com/office/powerpoint/2010/main" val="2021167223"/>
               </p:ext>
             </p:extLst>
           </p:nvPr>
         </p:nvGraphicFramePr>
         <p:xfrm>
           <a:off x="561975" y="1538288"/>
-          <a:ext cx="10515597" cy="4815840"/>
+          <a:ext cx="10515596" cy="4815840"/>
         </p:xfrm>
         <a:graphic>
           <a:graphicData uri="http://schemas.openxmlformats.org/drawingml/2006/table">
@@ -4221,24 +4221,38 @@
                 <a:tableStyleId>{5C22544A-7EE6-4342-B048-85BDC9FD1C3A}</a:tableStyleId>
               </a:tblPr>
               <a:tblGrid>
-                <a:gridCol w="4714754">
+                <a:gridCol w="5200650">
                   <a:extLst>
                     <a:ext uri="{9D8B030D-6E8A-4147-A177-3AD203B41FA5}">
                       <a16:colId xmlns:a16="http://schemas.microsoft.com/office/drawing/2014/main" val="217356313"/>
                     </a:ext>
                   </a:extLst>
                 </a:gridCol>
-                <a:gridCol w="2999465">
+                <a:gridCol w="1028700">
                   <a:extLst>
                     <a:ext uri="{9D8B030D-6E8A-4147-A177-3AD203B41FA5}">
                       <a16:colId xmlns:a16="http://schemas.microsoft.com/office/drawing/2014/main" val="4264062161"/>
                     </a:ext>
                   </a:extLst>
                 </a:gridCol>
-                <a:gridCol w="2801378">
+                <a:gridCol w="1619250">
+                  <a:extLst>
+                    <a:ext uri="{9D8B030D-6E8A-4147-A177-3AD203B41FA5}">
+                      <a16:colId xmlns:a16="http://schemas.microsoft.com/office/drawing/2014/main" val="586537698"/>
+                    </a:ext>
+                  </a:extLst>
+                </a:gridCol>
+                <a:gridCol w="923925">
                   <a:extLst>
                     <a:ext uri="{9D8B030D-6E8A-4147-A177-3AD203B41FA5}">
                       <a16:colId xmlns:a16="http://schemas.microsoft.com/office/drawing/2014/main" val="4052011559"/>
+                    </a:ext>
+                  </a:extLst>
+                </a:gridCol>
+                <a:gridCol w="1743071">
+                  <a:extLst>
+                    <a:ext uri="{9D8B030D-6E8A-4147-A177-3AD203B41FA5}">
+                      <a16:colId xmlns:a16="http://schemas.microsoft.com/office/drawing/2014/main" val="1459183155"/>
                     </a:ext>
                   </a:extLst>
                 </a:gridCol>
@@ -4277,7 +4291,33 @@
                     <a:p>
                       <a:r>
                         <a:rPr lang="en-CA" dirty="0"/>
+                        <a:t>RMSE (Large)</a:t>
+                      </a:r>
+                    </a:p>
+                  </a:txBody>
+                  <a:tcPr/>
+                </a:tc>
+                <a:tc>
+                  <a:txBody>
+                    <a:bodyPr/>
+                    <a:lstStyle/>
+                    <a:p>
+                      <a:r>
+                        <a:rPr lang="en-CA" dirty="0"/>
                         <a:t>MAE</a:t>
+                      </a:r>
+                    </a:p>
+                  </a:txBody>
+                  <a:tcPr/>
+                </a:tc>
+                <a:tc>
+                  <a:txBody>
+                    <a:bodyPr/>
+                    <a:lstStyle/>
+                    <a:p>
+                      <a:r>
+                        <a:rPr lang="en-CA" dirty="0"/>
+                        <a:t>MAE (Large)</a:t>
                       </a:r>
                     </a:p>
                   </a:txBody>
@@ -4321,10 +4361,30 @@
                     <a:bodyPr/>
                     <a:lstStyle/>
                     <a:p>
+                      <a:endParaRPr lang="en-CA" dirty="0"/>
+                    </a:p>
+                  </a:txBody>
+                  <a:tcPr/>
+                </a:tc>
+                <a:tc>
+                  <a:txBody>
+                    <a:bodyPr/>
+                    <a:lstStyle/>
+                    <a:p>
                       <a:r>
                         <a:rPr lang="en-CA" dirty="0"/>
                         <a:t>1.538</a:t>
                       </a:r>
+                    </a:p>
+                  </a:txBody>
+                  <a:tcPr/>
+                </a:tc>
+                <a:tc>
+                  <a:txBody>
+                    <a:bodyPr/>
+                    <a:lstStyle/>
+                    <a:p>
+                      <a:endParaRPr lang="en-CA" dirty="0"/>
                     </a:p>
                   </a:txBody>
                   <a:tcPr/>
@@ -4367,10 +4427,30 @@
                     <a:bodyPr/>
                     <a:lstStyle/>
                     <a:p>
+                      <a:endParaRPr lang="en-CA" dirty="0"/>
+                    </a:p>
+                  </a:txBody>
+                  <a:tcPr/>
+                </a:tc>
+                <a:tc>
+                  <a:txBody>
+                    <a:bodyPr/>
+                    <a:lstStyle/>
+                    <a:p>
                       <a:r>
                         <a:rPr lang="en-CA" dirty="0"/>
                         <a:t>1.762</a:t>
                       </a:r>
+                    </a:p>
+                  </a:txBody>
+                  <a:tcPr/>
+                </a:tc>
+                <a:tc>
+                  <a:txBody>
+                    <a:bodyPr/>
+                    <a:lstStyle/>
+                    <a:p>
+                      <a:endParaRPr lang="en-CA" dirty="0"/>
                     </a:p>
                   </a:txBody>
                   <a:tcPr/>
@@ -4382,6 +4462,26 @@
                 </a:extLst>
               </a:tr>
               <a:tr h="370840">
+                <a:tc>
+                  <a:txBody>
+                    <a:bodyPr/>
+                    <a:lstStyle/>
+                    <a:p>
+                      <a:endParaRPr lang="en-CA" dirty="0"/>
+                    </a:p>
+                  </a:txBody>
+                  <a:tcPr/>
+                </a:tc>
+                <a:tc>
+                  <a:txBody>
+                    <a:bodyPr/>
+                    <a:lstStyle/>
+                    <a:p>
+                      <a:endParaRPr lang="en-CA" dirty="0"/>
+                    </a:p>
+                  </a:txBody>
+                  <a:tcPr/>
+                </a:tc>
                 <a:tc>
                   <a:txBody>
                     <a:bodyPr/>
@@ -4458,10 +4558,30 @@
                     <a:bodyPr/>
                     <a:lstStyle/>
                     <a:p>
+                      <a:endParaRPr lang="en-CA" dirty="0"/>
+                    </a:p>
+                  </a:txBody>
+                  <a:tcPr/>
+                </a:tc>
+                <a:tc>
+                  <a:txBody>
+                    <a:bodyPr/>
+                    <a:lstStyle/>
+                    <a:p>
                       <a:r>
                         <a:rPr lang="en-CA" dirty="0"/>
                         <a:t>7.96</a:t>
                       </a:r>
+                    </a:p>
+                  </a:txBody>
+                  <a:tcPr/>
+                </a:tc>
+                <a:tc>
+                  <a:txBody>
+                    <a:bodyPr/>
+                    <a:lstStyle/>
+                    <a:p>
+                      <a:endParaRPr lang="en-CA" dirty="0"/>
                     </a:p>
                   </a:txBody>
                   <a:tcPr/>
@@ -4473,6 +4593,26 @@
                 </a:extLst>
               </a:tr>
               <a:tr h="131155">
+                <a:tc>
+                  <a:txBody>
+                    <a:bodyPr/>
+                    <a:lstStyle/>
+                    <a:p>
+                      <a:endParaRPr lang="en-CA" dirty="0"/>
+                    </a:p>
+                  </a:txBody>
+                  <a:tcPr/>
+                </a:tc>
+                <a:tc>
+                  <a:txBody>
+                    <a:bodyPr/>
+                    <a:lstStyle/>
+                    <a:p>
+                      <a:endParaRPr lang="en-CA" dirty="0"/>
+                    </a:p>
+                  </a:txBody>
+                  <a:tcPr/>
+                </a:tc>
                 <a:tc>
                   <a:txBody>
                     <a:bodyPr/>
@@ -4530,7 +4670,7 @@
                     <a:p>
                       <a:r>
                         <a:rPr lang="en-CA" dirty="0"/>
-                        <a:t>5.900 – 3.3798</a:t>
+                        <a:t>5.900 </a:t>
                       </a:r>
                     </a:p>
                   </a:txBody>
@@ -4543,7 +4683,33 @@
                     <a:p>
                       <a:r>
                         <a:rPr lang="en-CA" dirty="0"/>
-                        <a:t>4.346 – 2.766</a:t>
+                        <a:t>3.3798</a:t>
+                      </a:r>
+                    </a:p>
+                  </a:txBody>
+                  <a:tcPr/>
+                </a:tc>
+                <a:tc>
+                  <a:txBody>
+                    <a:bodyPr/>
+                    <a:lstStyle/>
+                    <a:p>
+                      <a:r>
+                        <a:rPr lang="en-CA" dirty="0"/>
+                        <a:t>4.346</a:t>
+                      </a:r>
+                    </a:p>
+                  </a:txBody>
+                  <a:tcPr/>
+                </a:tc>
+                <a:tc>
+                  <a:txBody>
+                    <a:bodyPr/>
+                    <a:lstStyle/>
+                    <a:p>
+                      <a:r>
+                        <a:rPr lang="en-CA" dirty="0"/>
+                        <a:t>2.766</a:t>
                       </a:r>
                     </a:p>
                   </a:txBody>
@@ -4576,7 +4742,7 @@
                     <a:p>
                       <a:r>
                         <a:rPr lang="en-CA" dirty="0"/>
-                        <a:t>6.9127 – 3.881</a:t>
+                        <a:t>6.9127</a:t>
                       </a:r>
                     </a:p>
                   </a:txBody>
@@ -4589,7 +4755,33 @@
                     <a:p>
                       <a:r>
                         <a:rPr lang="en-CA" dirty="0"/>
-                        <a:t>5.153 – 2.939</a:t>
+                        <a:t>3.881</a:t>
+                      </a:r>
+                    </a:p>
+                  </a:txBody>
+                  <a:tcPr/>
+                </a:tc>
+                <a:tc>
+                  <a:txBody>
+                    <a:bodyPr/>
+                    <a:lstStyle/>
+                    <a:p>
+                      <a:r>
+                        <a:rPr lang="en-CA" dirty="0"/>
+                        <a:t>5.153</a:t>
+                      </a:r>
+                    </a:p>
+                  </a:txBody>
+                  <a:tcPr/>
+                </a:tc>
+                <a:tc>
+                  <a:txBody>
+                    <a:bodyPr/>
+                    <a:lstStyle/>
+                    <a:p>
+                      <a:r>
+                        <a:rPr lang="en-CA" dirty="0"/>
+                        <a:t>2.939</a:t>
                       </a:r>
                     </a:p>
                   </a:txBody>
@@ -4622,7 +4814,7 @@
                     <a:p>
                       <a:r>
                         <a:rPr lang="en-CA" dirty="0"/>
-                        <a:t>7.845 – 4.252</a:t>
+                        <a:t>7.845</a:t>
                       </a:r>
                     </a:p>
                   </a:txBody>
@@ -4635,7 +4827,33 @@
                     <a:p>
                       <a:r>
                         <a:rPr lang="en-CA" dirty="0"/>
-                        <a:t>5.884 – 3.206</a:t>
+                        <a:t>4.252</a:t>
+                      </a:r>
+                    </a:p>
+                  </a:txBody>
+                  <a:tcPr/>
+                </a:tc>
+                <a:tc>
+                  <a:txBody>
+                    <a:bodyPr/>
+                    <a:lstStyle/>
+                    <a:p>
+                      <a:r>
+                        <a:rPr lang="en-CA" dirty="0"/>
+                        <a:t>5.884</a:t>
+                      </a:r>
+                    </a:p>
+                  </a:txBody>
+                  <a:tcPr/>
+                </a:tc>
+                <a:tc>
+                  <a:txBody>
+                    <a:bodyPr/>
+                    <a:lstStyle/>
+                    <a:p>
+                      <a:r>
+                        <a:rPr lang="en-CA" dirty="0"/>
+                        <a:t>3.206</a:t>
                       </a:r>
                     </a:p>
                   </a:txBody>
@@ -4648,6 +4866,26 @@
                 </a:extLst>
               </a:tr>
               <a:tr h="370840">
+                <a:tc>
+                  <a:txBody>
+                    <a:bodyPr/>
+                    <a:lstStyle/>
+                    <a:p>
+                      <a:endParaRPr lang="en-CA" dirty="0"/>
+                    </a:p>
+                  </a:txBody>
+                  <a:tcPr/>
+                </a:tc>
+                <a:tc>
+                  <a:txBody>
+                    <a:bodyPr/>
+                    <a:lstStyle/>
+                    <a:p>
+                      <a:endParaRPr lang="en-CA" dirty="0"/>
+                    </a:p>
+                  </a:txBody>
+                  <a:tcPr/>
+                </a:tc>
                 <a:tc>
                   <a:txBody>
                     <a:bodyPr/>
@@ -4705,7 +4943,7 @@
                     <a:p>
                       <a:r>
                         <a:rPr lang="en-CA" dirty="0"/>
-                        <a:t>3.306 – 3.639</a:t>
+                        <a:t>3.306</a:t>
                       </a:r>
                     </a:p>
                   </a:txBody>
@@ -4718,7 +4956,33 @@
                     <a:p>
                       <a:r>
                         <a:rPr lang="en-CA" dirty="0"/>
-                        <a:t>1.595 – 2.863</a:t>
+                        <a:t>3.639</a:t>
+                      </a:r>
+                    </a:p>
+                  </a:txBody>
+                  <a:tcPr/>
+                </a:tc>
+                <a:tc>
+                  <a:txBody>
+                    <a:bodyPr/>
+                    <a:lstStyle/>
+                    <a:p>
+                      <a:r>
+                        <a:rPr lang="en-CA" dirty="0"/>
+                        <a:t>1.595</a:t>
+                      </a:r>
+                    </a:p>
+                  </a:txBody>
+                  <a:tcPr/>
+                </a:tc>
+                <a:tc>
+                  <a:txBody>
+                    <a:bodyPr/>
+                    <a:lstStyle/>
+                    <a:p>
+                      <a:r>
+                        <a:rPr lang="en-CA" dirty="0"/>
+                        <a:t>2.863</a:t>
                       </a:r>
                     </a:p>
                   </a:txBody>
@@ -4751,7 +5015,7 @@
                     <a:p>
                       <a:r>
                         <a:rPr lang="en-CA" dirty="0"/>
-                        <a:t>4.561 – 4.714</a:t>
+                        <a:t>4.561</a:t>
                       </a:r>
                     </a:p>
                   </a:txBody>
@@ -4764,7 +5028,33 @@
                     <a:p>
                       <a:r>
                         <a:rPr lang="en-CA" dirty="0"/>
-                        <a:t>3.603 – 3.705</a:t>
+                        <a:t>4.714</a:t>
+                      </a:r>
+                    </a:p>
+                  </a:txBody>
+                  <a:tcPr/>
+                </a:tc>
+                <a:tc>
+                  <a:txBody>
+                    <a:bodyPr/>
+                    <a:lstStyle/>
+                    <a:p>
+                      <a:r>
+                        <a:rPr lang="en-CA" dirty="0"/>
+                        <a:t>3.603</a:t>
+                      </a:r>
+                    </a:p>
+                  </a:txBody>
+                  <a:tcPr/>
+                </a:tc>
+                <a:tc>
+                  <a:txBody>
+                    <a:bodyPr/>
+                    <a:lstStyle/>
+                    <a:p>
+                      <a:r>
+                        <a:rPr lang="en-CA" dirty="0"/>
+                        <a:t>3.705</a:t>
                       </a:r>
                     </a:p>
                   </a:txBody>
@@ -4797,7 +5087,7 @@
                     <a:p>
                       <a:r>
                         <a:rPr lang="en-CA" dirty="0"/>
-                        <a:t>5.083 – 5.658</a:t>
+                        <a:t>5.08 </a:t>
                       </a:r>
                     </a:p>
                   </a:txBody>
@@ -4810,7 +5100,33 @@
                     <a:p>
                       <a:r>
                         <a:rPr lang="en-CA" dirty="0"/>
-                        <a:t>3.937 – 4.388</a:t>
+                        <a:t>5.658</a:t>
+                      </a:r>
+                    </a:p>
+                  </a:txBody>
+                  <a:tcPr/>
+                </a:tc>
+                <a:tc>
+                  <a:txBody>
+                    <a:bodyPr/>
+                    <a:lstStyle/>
+                    <a:p>
+                      <a:r>
+                        <a:rPr lang="en-CA" dirty="0"/>
+                        <a:t>3.937</a:t>
+                      </a:r>
+                    </a:p>
+                  </a:txBody>
+                  <a:tcPr/>
+                </a:tc>
+                <a:tc>
+                  <a:txBody>
+                    <a:bodyPr/>
+                    <a:lstStyle/>
+                    <a:p>
+                      <a:r>
+                        <a:rPr lang="en-CA" dirty="0"/>
+                        <a:t>4.388</a:t>
                       </a:r>
                     </a:p>
                   </a:txBody>
@@ -7059,15 +7375,6 @@
 </file>
 
 <file path=customXml/item2.xml><?xml version="1.0" encoding="utf-8"?>
-<?mso-contentType ?>
-<FormTemplates xmlns="http://schemas.microsoft.com/sharepoint/v3/contenttype/forms">
-  <Display>DocumentLibraryForm</Display>
-  <Edit>DocumentLibraryForm</Edit>
-  <New>DocumentLibraryForm</New>
-</FormTemplates>
-</file>
-
-<file path=customXml/item3.xml><?xml version="1.0" encoding="utf-8"?>
 <ct:contentTypeSchema xmlns:ct="http://schemas.microsoft.com/office/2006/metadata/contentType" xmlns:ma="http://schemas.microsoft.com/office/2006/metadata/properties/metaAttributes" ct:_="" ma:_="" ma:contentTypeName="Document" ma:contentTypeID="0x010100A14D9A0FA515564792FEACC70AB1043E" ma:contentTypeVersion="14" ma:contentTypeDescription="Create a new document." ma:contentTypeScope="" ma:versionID="7f7e0cc1e40a88b99413075e8bf30554">
   <xsd:schema xmlns:xsd="http://www.w3.org/2001/XMLSchema" xmlns:xs="http://www.w3.org/2001/XMLSchema" xmlns:p="http://schemas.microsoft.com/office/2006/metadata/properties" xmlns:ns2="7a4191d5-9b76-4ae3-8401-87ceee92a846" xmlns:ns3="b9b0194d-1e98-4efc-bad5-9450f4bf7a13" targetNamespace="http://schemas.microsoft.com/office/2006/metadata/properties" ma:root="true" ma:fieldsID="bf2af2146a9b0966e9a87ebb457fba04" ns2:_="" ns3:_="">
     <xsd:import namespace="7a4191d5-9b76-4ae3-8401-87ceee92a846"/>
@@ -7284,6 +7591,15 @@
 </ct:contentTypeSchema>
 </file>
 
+<file path=customXml/item3.xml><?xml version="1.0" encoding="utf-8"?>
+<?mso-contentType ?>
+<FormTemplates xmlns="http://schemas.microsoft.com/sharepoint/v3/contenttype/forms">
+  <Display>DocumentLibraryForm</Display>
+  <Edit>DocumentLibraryForm</Edit>
+  <New>DocumentLibraryForm</New>
+</FormTemplates>
+</file>
+
 <file path=customXml/itemProps1.xml><?xml version="1.0" encoding="utf-8"?>
 <ds:datastoreItem xmlns:ds="http://schemas.openxmlformats.org/officeDocument/2006/customXml" ds:itemID="{F0B8F560-7E6C-44AE-AFE4-924D1118F0AA}">
   <ds:schemaRefs>
@@ -7296,14 +7612,6 @@
 </file>
 
 <file path=customXml/itemProps2.xml><?xml version="1.0" encoding="utf-8"?>
-<ds:datastoreItem xmlns:ds="http://schemas.openxmlformats.org/officeDocument/2006/customXml" ds:itemID="{67A4AE25-BBA1-49A6-B4F8-E97286BA017A}">
-  <ds:schemaRefs>
-    <ds:schemaRef ds:uri="http://schemas.microsoft.com/sharepoint/v3/contenttype/forms"/>
-  </ds:schemaRefs>
-</ds:datastoreItem>
-</file>
-
-<file path=customXml/itemProps3.xml><?xml version="1.0" encoding="utf-8"?>
 <ds:datastoreItem xmlns:ds="http://schemas.openxmlformats.org/officeDocument/2006/customXml" ds:itemID="{13416CE4-55A1-4737-9F9A-2B165A2C2239}">
   <ds:schemaRefs>
     <ds:schemaRef ds:uri="http://schemas.microsoft.com/office/2006/metadata/contentType"/>
@@ -7320,4 +7628,12 @@
     <ds:schemaRef ds:uri="http://schemas.microsoft.com/internal/obd"/>
   </ds:schemaRefs>
 </ds:datastoreItem>
+</file>
+
+<file path=customXml/itemProps3.xml><?xml version="1.0" encoding="utf-8"?>
+<ds:datastoreItem xmlns:ds="http://schemas.openxmlformats.org/officeDocument/2006/customXml" ds:itemID="{67A4AE25-BBA1-49A6-B4F8-E97286BA017A}">
+  <ds:schemaRefs>
+    <ds:schemaRef ds:uri="http://schemas.microsoft.com/sharepoint/v3/contenttype/forms"/>
+  </ds:schemaRefs>
+</ds:datastoreItem>
 </file>